--- a/lectures/PY-01-Variables.pptx
+++ b/lectures/PY-01-Variables.pptx
@@ -118,6 +118,11 @@
       </a:defRPr>
     </a:lvl9pPr>
   </p:defaultTextStyle>
+  <p:extLst>
+    <p:ext uri="{EFAFB233-063F-42B5-8137-9DF3F51BA10A}">
+      <p15:sldGuideLst xmlns:p15="http://schemas.microsoft.com/office/powerpoint/2012/main"/>
+    </p:ext>
+  </p:extLst>
 </p:presentation>
 </file>
 
@@ -203,7 +208,7 @@
           <a:p>
             <a:fld id="{F7E21C4F-3089-2144-81CC-9A89EBB7CDEE}" type="datetimeFigureOut">
               <a:rPr lang="en-US" smtClean="0"/>
-              <a:t>1/22/23</a:t>
+              <a:t>1/27/23</a:t>
             </a:fld>
             <a:endParaRPr lang="en-US"/>
           </a:p>
@@ -829,7 +834,7 @@
           <a:p>
             <a:fld id="{3909F0FF-B6FB-5B49-967F-9A88B82ED20F}" type="datetimeFigureOut">
               <a:rPr lang="en-US" smtClean="0"/>
-              <a:t>1/22/23</a:t>
+              <a:t>1/27/23</a:t>
             </a:fld>
             <a:endParaRPr lang="en-US"/>
           </a:p>
@@ -1027,7 +1032,7 @@
           <a:p>
             <a:fld id="{3909F0FF-B6FB-5B49-967F-9A88B82ED20F}" type="datetimeFigureOut">
               <a:rPr lang="en-US" smtClean="0"/>
-              <a:t>1/22/23</a:t>
+              <a:t>1/27/23</a:t>
             </a:fld>
             <a:endParaRPr lang="en-US"/>
           </a:p>
@@ -1235,7 +1240,7 @@
           <a:p>
             <a:fld id="{3909F0FF-B6FB-5B49-967F-9A88B82ED20F}" type="datetimeFigureOut">
               <a:rPr lang="en-US" smtClean="0"/>
-              <a:t>1/22/23</a:t>
+              <a:t>1/27/23</a:t>
             </a:fld>
             <a:endParaRPr lang="en-US"/>
           </a:p>
@@ -1433,7 +1438,7 @@
           <a:p>
             <a:fld id="{3909F0FF-B6FB-5B49-967F-9A88B82ED20F}" type="datetimeFigureOut">
               <a:rPr lang="en-US" smtClean="0"/>
-              <a:t>1/22/23</a:t>
+              <a:t>1/27/23</a:t>
             </a:fld>
             <a:endParaRPr lang="en-US"/>
           </a:p>
@@ -1708,7 +1713,7 @@
           <a:p>
             <a:fld id="{3909F0FF-B6FB-5B49-967F-9A88B82ED20F}" type="datetimeFigureOut">
               <a:rPr lang="en-US" smtClean="0"/>
-              <a:t>1/22/23</a:t>
+              <a:t>1/27/23</a:t>
             </a:fld>
             <a:endParaRPr lang="en-US"/>
           </a:p>
@@ -1973,7 +1978,7 @@
           <a:p>
             <a:fld id="{3909F0FF-B6FB-5B49-967F-9A88B82ED20F}" type="datetimeFigureOut">
               <a:rPr lang="en-US" smtClean="0"/>
-              <a:t>1/22/23</a:t>
+              <a:t>1/27/23</a:t>
             </a:fld>
             <a:endParaRPr lang="en-US"/>
           </a:p>
@@ -2385,7 +2390,7 @@
           <a:p>
             <a:fld id="{3909F0FF-B6FB-5B49-967F-9A88B82ED20F}" type="datetimeFigureOut">
               <a:rPr lang="en-US" smtClean="0"/>
-              <a:t>1/22/23</a:t>
+              <a:t>1/27/23</a:t>
             </a:fld>
             <a:endParaRPr lang="en-US"/>
           </a:p>
@@ -2526,7 +2531,7 @@
           <a:p>
             <a:fld id="{3909F0FF-B6FB-5B49-967F-9A88B82ED20F}" type="datetimeFigureOut">
               <a:rPr lang="en-US" smtClean="0"/>
-              <a:t>1/22/23</a:t>
+              <a:t>1/27/23</a:t>
             </a:fld>
             <a:endParaRPr lang="en-US"/>
           </a:p>
@@ -2639,7 +2644,7 @@
           <a:p>
             <a:fld id="{3909F0FF-B6FB-5B49-967F-9A88B82ED20F}" type="datetimeFigureOut">
               <a:rPr lang="en-US" smtClean="0"/>
-              <a:t>1/22/23</a:t>
+              <a:t>1/27/23</a:t>
             </a:fld>
             <a:endParaRPr lang="en-US"/>
           </a:p>
@@ -2950,7 +2955,7 @@
           <a:p>
             <a:fld id="{3909F0FF-B6FB-5B49-967F-9A88B82ED20F}" type="datetimeFigureOut">
               <a:rPr lang="en-US" smtClean="0"/>
-              <a:t>1/22/23</a:t>
+              <a:t>1/27/23</a:t>
             </a:fld>
             <a:endParaRPr lang="en-US"/>
           </a:p>
@@ -3238,7 +3243,7 @@
           <a:p>
             <a:fld id="{3909F0FF-B6FB-5B49-967F-9A88B82ED20F}" type="datetimeFigureOut">
               <a:rPr lang="en-US" smtClean="0"/>
-              <a:t>1/22/23</a:t>
+              <a:t>1/27/23</a:t>
             </a:fld>
             <a:endParaRPr lang="en-US"/>
           </a:p>
@@ -3479,7 +3484,7 @@
           <a:p>
             <a:fld id="{3909F0FF-B6FB-5B49-967F-9A88B82ED20F}" type="datetimeFigureOut">
               <a:rPr lang="en-US" smtClean="0"/>
-              <a:t>1/22/23</a:t>
+              <a:t>1/27/23</a:t>
             </a:fld>
             <a:endParaRPr lang="en-US"/>
           </a:p>
@@ -4384,15 +4389,8 @@
             </a:r>
             <a:r>
               <a:rPr lang="en-US" dirty="0"/>
-              <a:t> is wrong </a:t>
-            </a:r>
-            <a:r>
-              <a:rPr lang="en-US" dirty="0">
-                <a:sym typeface="Wingdings" pitchFamily="2" charset="2"/>
-              </a:rPr>
-              <a:t></a:t>
-            </a:r>
-            <a:endParaRPr lang="en-US" dirty="0"/>
+              <a:t> believes into the simplification</a:t>
+            </a:r>
           </a:p>
         </p:txBody>
       </p:sp>
@@ -4506,7 +4504,7 @@
           <a:p>
             <a:r>
               <a:rPr lang="en-US" dirty="0"/>
-              <a:t>Sorry to have mislead you </a:t>
+              <a:t>Sorry to have mislead you back in PY4E </a:t>
             </a:r>
             <a:r>
               <a:rPr lang="en-US" dirty="0">
@@ -4534,7 +4532,7 @@
               <a:rPr lang="en-US" b="1" i="1" u="sng" dirty="0">
                 <a:sym typeface="Wingdings" pitchFamily="2" charset="2"/>
               </a:rPr>
-              <a:t>location</a:t>
+              <a:t>drawer</a:t>
             </a:r>
             <a:r>
               <a:rPr lang="en-US" dirty="0">
@@ -4552,8 +4550,29 @@
               <a:rPr lang="en-US" dirty="0">
                 <a:sym typeface="Wingdings" pitchFamily="2" charset="2"/>
               </a:rPr>
-              <a:t> data is accurate in languages like C</a:t>
-            </a:r>
+              <a:t> data </a:t>
+            </a:r>
+            <a:r>
+              <a:rPr lang="en-US" b="1" i="1" u="sng" dirty="0">
+                <a:sym typeface="Wingdings" pitchFamily="2" charset="2"/>
+              </a:rPr>
+              <a:t>is</a:t>
+            </a:r>
+            <a:r>
+              <a:rPr lang="en-US" dirty="0">
+                <a:sym typeface="Wingdings" pitchFamily="2" charset="2"/>
+              </a:rPr>
+              <a:t> accurate in languages like C and </a:t>
+            </a:r>
+            <a:r>
+              <a:rPr lang="en-US">
+                <a:sym typeface="Wingdings" pitchFamily="2" charset="2"/>
+              </a:rPr>
+              <a:t>sometimes Java</a:t>
+            </a:r>
+            <a:endParaRPr lang="en-US" dirty="0">
+              <a:sym typeface="Wingdings" pitchFamily="2" charset="2"/>
+            </a:endParaRPr>
           </a:p>
           <a:p>
             <a:pPr lvl="1"/>
@@ -6693,7 +6712,7 @@
           <a:p>
             <a:r>
               <a:rPr lang="en-US" dirty="0"/>
-              <a:t>What is a Python variable?</a:t>
+              <a:t>What *IS* a Python variable?</a:t>
             </a:r>
           </a:p>
         </p:txBody>
@@ -7920,6 +7939,112 @@
             <a:avLst/>
           </a:prstGeom>
           <a:ln w="34925"/>
+        </p:spPr>
+        <p:style>
+          <a:lnRef idx="1">
+            <a:schemeClr val="accent1"/>
+          </a:lnRef>
+          <a:fillRef idx="0">
+            <a:schemeClr val="accent1"/>
+          </a:fillRef>
+          <a:effectRef idx="0">
+            <a:schemeClr val="accent1"/>
+          </a:effectRef>
+          <a:fontRef idx="minor">
+            <a:schemeClr val="tx1"/>
+          </a:fontRef>
+        </p:style>
+      </p:cxnSp>
+      <p:sp>
+        <p:nvSpPr>
+          <p:cNvPr id="2" name="Rectangle 1">
+            <a:extLst>
+              <a:ext uri="{FF2B5EF4-FFF2-40B4-BE49-F238E27FC236}">
+                <a16:creationId xmlns:a16="http://schemas.microsoft.com/office/drawing/2014/main" id="{BCAF4E44-48D7-7A9D-C23F-785DF31F3C5F}"/>
+              </a:ext>
+            </a:extLst>
+          </p:cNvPr>
+          <p:cNvSpPr/>
+          <p:nvPr/>
+        </p:nvSpPr>
+        <p:spPr>
+          <a:xfrm>
+            <a:off x="8293139" y="3110983"/>
+            <a:ext cx="803189" cy="698157"/>
+          </a:xfrm>
+          <a:prstGeom prst="rect">
+            <a:avLst/>
+          </a:prstGeom>
+          <a:solidFill>
+            <a:schemeClr val="accent6">
+              <a:lumMod val="50000"/>
+            </a:schemeClr>
+          </a:solidFill>
+        </p:spPr>
+        <p:style>
+          <a:lnRef idx="2">
+            <a:schemeClr val="accent1">
+              <a:shade val="50000"/>
+            </a:schemeClr>
+          </a:lnRef>
+          <a:fillRef idx="1">
+            <a:schemeClr val="accent1"/>
+          </a:fillRef>
+          <a:effectRef idx="0">
+            <a:schemeClr val="accent1"/>
+          </a:effectRef>
+          <a:fontRef idx="minor">
+            <a:schemeClr val="lt1"/>
+          </a:fontRef>
+        </p:style>
+        <p:txBody>
+          <a:bodyPr rtlCol="0" anchor="ctr"/>
+          <a:lstStyle/>
+          <a:p>
+            <a:pPr algn="ctr"/>
+            <a:r>
+              <a:rPr lang="en-US" dirty="0"/>
+              <a:t>free</a:t>
+            </a:r>
+          </a:p>
+          <a:p>
+            <a:pPr algn="ctr"/>
+            <a:r>
+              <a:rPr lang="en-US" dirty="0"/>
+              <a:t>list</a:t>
+            </a:r>
+          </a:p>
+        </p:txBody>
+      </p:sp>
+      <p:cxnSp>
+        <p:nvCxnSpPr>
+          <p:cNvPr id="3" name="Curved Connector 2">
+            <a:extLst>
+              <a:ext uri="{FF2B5EF4-FFF2-40B4-BE49-F238E27FC236}">
+                <a16:creationId xmlns:a16="http://schemas.microsoft.com/office/drawing/2014/main" id="{99726CB0-3521-941B-BD51-1B614109DE34}"/>
+              </a:ext>
+            </a:extLst>
+          </p:cNvPr>
+          <p:cNvCxnSpPr>
+            <a:cxnSpLocks/>
+            <a:stCxn id="2" idx="3"/>
+            <a:endCxn id="14" idx="1"/>
+          </p:cNvCxnSpPr>
+          <p:nvPr/>
+        </p:nvCxnSpPr>
+        <p:spPr>
+          <a:xfrm>
+            <a:off x="9096328" y="3460062"/>
+            <a:ext cx="760246" cy="706225"/>
+          </a:xfrm>
+          <a:prstGeom prst="curvedConnector3">
+            <a:avLst>
+              <a:gd name="adj1" fmla="val 50000"/>
+            </a:avLst>
+          </a:prstGeom>
+          <a:ln w="60325">
+            <a:tailEnd type="triangle"/>
+          </a:ln>
         </p:spPr>
         <p:style>
           <a:lnRef idx="1">

--- a/lectures/PY-01-Variables.pptx
+++ b/lectures/PY-01-Variables.pptx
@@ -208,7 +208,7 @@
           <a:p>
             <a:fld id="{F7E21C4F-3089-2144-81CC-9A89EBB7CDEE}" type="datetimeFigureOut">
               <a:rPr lang="en-US" smtClean="0"/>
-              <a:t>1/27/23</a:t>
+              <a:t>9/18/25</a:t>
             </a:fld>
             <a:endParaRPr lang="en-US"/>
           </a:p>
@@ -834,7 +834,7 @@
           <a:p>
             <a:fld id="{3909F0FF-B6FB-5B49-967F-9A88B82ED20F}" type="datetimeFigureOut">
               <a:rPr lang="en-US" smtClean="0"/>
-              <a:t>1/27/23</a:t>
+              <a:t>9/18/25</a:t>
             </a:fld>
             <a:endParaRPr lang="en-US"/>
           </a:p>
@@ -1032,7 +1032,7 @@
           <a:p>
             <a:fld id="{3909F0FF-B6FB-5B49-967F-9A88B82ED20F}" type="datetimeFigureOut">
               <a:rPr lang="en-US" smtClean="0"/>
-              <a:t>1/27/23</a:t>
+              <a:t>9/18/25</a:t>
             </a:fld>
             <a:endParaRPr lang="en-US"/>
           </a:p>
@@ -1240,7 +1240,7 @@
           <a:p>
             <a:fld id="{3909F0FF-B6FB-5B49-967F-9A88B82ED20F}" type="datetimeFigureOut">
               <a:rPr lang="en-US" smtClean="0"/>
-              <a:t>1/27/23</a:t>
+              <a:t>9/18/25</a:t>
             </a:fld>
             <a:endParaRPr lang="en-US"/>
           </a:p>
@@ -1438,7 +1438,7 @@
           <a:p>
             <a:fld id="{3909F0FF-B6FB-5B49-967F-9A88B82ED20F}" type="datetimeFigureOut">
               <a:rPr lang="en-US" smtClean="0"/>
-              <a:t>1/27/23</a:t>
+              <a:t>9/18/25</a:t>
             </a:fld>
             <a:endParaRPr lang="en-US"/>
           </a:p>
@@ -1713,7 +1713,7 @@
           <a:p>
             <a:fld id="{3909F0FF-B6FB-5B49-967F-9A88B82ED20F}" type="datetimeFigureOut">
               <a:rPr lang="en-US" smtClean="0"/>
-              <a:t>1/27/23</a:t>
+              <a:t>9/18/25</a:t>
             </a:fld>
             <a:endParaRPr lang="en-US"/>
           </a:p>
@@ -1978,7 +1978,7 @@
           <a:p>
             <a:fld id="{3909F0FF-B6FB-5B49-967F-9A88B82ED20F}" type="datetimeFigureOut">
               <a:rPr lang="en-US" smtClean="0"/>
-              <a:t>1/27/23</a:t>
+              <a:t>9/18/25</a:t>
             </a:fld>
             <a:endParaRPr lang="en-US"/>
           </a:p>
@@ -2390,7 +2390,7 @@
           <a:p>
             <a:fld id="{3909F0FF-B6FB-5B49-967F-9A88B82ED20F}" type="datetimeFigureOut">
               <a:rPr lang="en-US" smtClean="0"/>
-              <a:t>1/27/23</a:t>
+              <a:t>9/18/25</a:t>
             </a:fld>
             <a:endParaRPr lang="en-US"/>
           </a:p>
@@ -2531,7 +2531,7 @@
           <a:p>
             <a:fld id="{3909F0FF-B6FB-5B49-967F-9A88B82ED20F}" type="datetimeFigureOut">
               <a:rPr lang="en-US" smtClean="0"/>
-              <a:t>1/27/23</a:t>
+              <a:t>9/18/25</a:t>
             </a:fld>
             <a:endParaRPr lang="en-US"/>
           </a:p>
@@ -2644,7 +2644,7 @@
           <a:p>
             <a:fld id="{3909F0FF-B6FB-5B49-967F-9A88B82ED20F}" type="datetimeFigureOut">
               <a:rPr lang="en-US" smtClean="0"/>
-              <a:t>1/27/23</a:t>
+              <a:t>9/18/25</a:t>
             </a:fld>
             <a:endParaRPr lang="en-US"/>
           </a:p>
@@ -2955,7 +2955,7 @@
           <a:p>
             <a:fld id="{3909F0FF-B6FB-5B49-967F-9A88B82ED20F}" type="datetimeFigureOut">
               <a:rPr lang="en-US" smtClean="0"/>
-              <a:t>1/27/23</a:t>
+              <a:t>9/18/25</a:t>
             </a:fld>
             <a:endParaRPr lang="en-US"/>
           </a:p>
@@ -3243,7 +3243,7 @@
           <a:p>
             <a:fld id="{3909F0FF-B6FB-5B49-967F-9A88B82ED20F}" type="datetimeFigureOut">
               <a:rPr lang="en-US" smtClean="0"/>
-              <a:t>1/27/23</a:t>
+              <a:t>9/18/25</a:t>
             </a:fld>
             <a:endParaRPr lang="en-US"/>
           </a:p>
@@ -3484,7 +3484,7 @@
           <a:p>
             <a:fld id="{3909F0FF-B6FB-5B49-967F-9A88B82ED20F}" type="datetimeFigureOut">
               <a:rPr lang="en-US" smtClean="0"/>
-              <a:t>1/27/23</a:t>
+              <a:t>9/18/25</a:t>
             </a:fld>
             <a:endParaRPr lang="en-US"/>
           </a:p>
@@ -4562,17 +4562,8 @@
               <a:rPr lang="en-US" dirty="0">
                 <a:sym typeface="Wingdings" pitchFamily="2" charset="2"/>
               </a:rPr>
-              <a:t> accurate in languages like C and </a:t>
-            </a:r>
-            <a:r>
-              <a:rPr lang="en-US">
-                <a:sym typeface="Wingdings" pitchFamily="2" charset="2"/>
-              </a:rPr>
-              <a:t>sometimes Java</a:t>
-            </a:r>
-            <a:endParaRPr lang="en-US" dirty="0">
-              <a:sym typeface="Wingdings" pitchFamily="2" charset="2"/>
-            </a:endParaRPr>
+              <a:t> accurate in languages like C and sometimes Java</a:t>
+            </a:r>
           </a:p>
           <a:p>
             <a:pPr lvl="1"/>
@@ -4589,7 +4580,7 @@
               <a:rPr lang="en-US" dirty="0">
                 <a:sym typeface="Wingdings" pitchFamily="2" charset="2"/>
               </a:rPr>
-              <a:t>That is a story for another time (www.cc4e.com)</a:t>
+              <a:t>That is a story for another time (Chapters 5 and 6 from www.cc4e.com)</a:t>
             </a:r>
           </a:p>
           <a:p>
